--- a/MOBILE APP FOR DIRECT MARKET ACCES FOR FARMERS FINAL PPT.pptx
+++ b/MOBILE APP FOR DIRECT MARKET ACCES FOR FARMERS FINAL PPT.pptx
@@ -19,8 +19,9 @@
     <p:sldId id="267" r:id="rId13"/>
     <p:sldId id="268" r:id="rId14"/>
     <p:sldId id="269" r:id="rId15"/>
-    <p:sldId id="270" r:id="rId16"/>
-    <p:sldId id="271" r:id="rId17"/>
+    <p:sldId id="272" r:id="rId16"/>
+    <p:sldId id="270" r:id="rId17"/>
+    <p:sldId id="271" r:id="rId18"/>
   </p:sldIdLst>
   <p:sldSz cx="12192000" cy="6858000"/>
   <p:notesSz cx="12192000" cy="6858000"/>
@@ -8986,6 +8987,121 @@
       </p:grpSpPr>
       <p:sp>
         <p:nvSpPr>
+          <p:cNvPr id="3" name="TextBox 2">
+            <a:extLst>
+              <a:ext uri="{FF2B5EF4-FFF2-40B4-BE49-F238E27FC236}">
+                <a16:creationId xmlns:a16="http://schemas.microsoft.com/office/drawing/2014/main" id="{A38AB6C7-C719-495A-8A81-25DF57D5FE71}"/>
+              </a:ext>
+            </a:extLst>
+          </p:cNvPr>
+          <p:cNvSpPr txBox="1"/>
+          <p:nvPr/>
+        </p:nvSpPr>
+        <p:spPr>
+          <a:xfrm>
+            <a:off x="838200" y="457200"/>
+            <a:ext cx="6096000" cy="523220"/>
+          </a:xfrm>
+          <a:prstGeom prst="rect">
+            <a:avLst/>
+          </a:prstGeom>
+          <a:noFill/>
+        </p:spPr>
+        <p:txBody>
+          <a:bodyPr wrap="square">
+            <a:spAutoFit/>
+          </a:bodyPr>
+          <a:lstStyle/>
+          <a:p>
+            <a:r>
+              <a:rPr lang="en-US" sz="2800" b="1">
+                <a:solidFill>
+                  <a:schemeClr val="tx2"/>
+                </a:solidFill>
+                <a:latin typeface="+mj-lt"/>
+                <a:ea typeface="Cambria" panose="02040503050406030204" pitchFamily="18" charset="0"/>
+              </a:rPr>
+              <a:t>GITHUB LINK:</a:t>
+            </a:r>
+            <a:endParaRPr lang="en-IN" sz="2800" b="1" dirty="0">
+              <a:solidFill>
+                <a:schemeClr val="tx2"/>
+              </a:solidFill>
+              <a:latin typeface="+mj-lt"/>
+            </a:endParaRPr>
+          </a:p>
+        </p:txBody>
+      </p:sp>
+      <p:sp>
+        <p:nvSpPr>
+          <p:cNvPr id="5" name="TextBox 4">
+            <a:extLst>
+              <a:ext uri="{FF2B5EF4-FFF2-40B4-BE49-F238E27FC236}">
+                <a16:creationId xmlns:a16="http://schemas.microsoft.com/office/drawing/2014/main" id="{6C16E664-B3CA-6FAD-AFAB-C01F9BFF200F}"/>
+              </a:ext>
+            </a:extLst>
+          </p:cNvPr>
+          <p:cNvSpPr txBox="1"/>
+          <p:nvPr/>
+        </p:nvSpPr>
+        <p:spPr>
+          <a:xfrm>
+            <a:off x="3048000" y="3246792"/>
+            <a:ext cx="6096000" cy="369332"/>
+          </a:xfrm>
+          <a:prstGeom prst="rect">
+            <a:avLst/>
+          </a:prstGeom>
+          <a:noFill/>
+        </p:spPr>
+        <p:txBody>
+          <a:bodyPr wrap="square">
+            <a:spAutoFit/>
+          </a:bodyPr>
+          <a:lstStyle/>
+          <a:p>
+            <a:r>
+              <a:rPr lang="en-IN" dirty="0">
+                <a:hlinkClick r:id="rId2"/>
+              </a:rPr>
+              <a:t>https://github.com/Karthikroyal76/final-year-project</a:t>
+            </a:r>
+            <a:endParaRPr lang="en-IN" dirty="0"/>
+          </a:p>
+        </p:txBody>
+      </p:sp>
+    </p:spTree>
+    <p:extLst>
+      <p:ext uri="{BB962C8B-B14F-4D97-AF65-F5344CB8AC3E}">
+        <p14:creationId xmlns:p14="http://schemas.microsoft.com/office/powerpoint/2010/main" val="1159290676"/>
+      </p:ext>
+    </p:extLst>
+  </p:cSld>
+  <p:clrMapOvr>
+    <a:masterClrMapping/>
+  </p:clrMapOvr>
+</p:sld>
+</file>
+
+<file path=ppt/slides/slide16.xml><?xml version="1.0" encoding="utf-8"?>
+<p:sld xmlns:a="http://schemas.openxmlformats.org/drawingml/2006/main" xmlns:r="http://schemas.openxmlformats.org/officeDocument/2006/relationships" xmlns:p="http://schemas.openxmlformats.org/presentationml/2006/main">
+  <p:cSld>
+    <p:spTree>
+      <p:nvGrpSpPr>
+        <p:cNvPr id="1" name=""/>
+        <p:cNvGrpSpPr/>
+        <p:nvPr/>
+      </p:nvGrpSpPr>
+      <p:grpSpPr>
+        <a:xfrm>
+          <a:off x="0" y="0"/>
+          <a:ext cx="0" cy="0"/>
+          <a:chOff x="0" y="0"/>
+          <a:chExt cx="0" cy="0"/>
+        </a:xfrm>
+      </p:grpSpPr>
+      <p:sp>
+        <p:nvSpPr>
           <p:cNvPr id="2" name="object 2"/>
           <p:cNvSpPr txBox="1">
             <a:spLocks noGrp="1"/>
@@ -11237,7 +11353,7 @@
 </p:sld>
 </file>
 
-<file path=ppt/slides/slide16.xml><?xml version="1.0" encoding="utf-8"?>
+<file path=ppt/slides/slide17.xml><?xml version="1.0" encoding="utf-8"?>
 <p:sld xmlns:a="http://schemas.openxmlformats.org/drawingml/2006/main" xmlns:r="http://schemas.openxmlformats.org/officeDocument/2006/relationships" xmlns:p="http://schemas.openxmlformats.org/presentationml/2006/main">
   <p:cSld>
     <p:spTree>
